--- a/Quancious.pptx
+++ b/Quancious.pptx
@@ -10,6 +10,10 @@
     <p:sldId id="256" r:id="rId4"/>
     <p:sldId id="258" r:id="rId5"/>
     <p:sldId id="260" r:id="rId6"/>
+    <p:sldId id="261" r:id="rId7"/>
+    <p:sldId id="262" r:id="rId8"/>
+    <p:sldId id="263" r:id="rId9"/>
+    <p:sldId id="264" r:id="rId10"/>
   </p:sldIdLst>
   <p:sldSz cx="12192000" cy="6858000"/>
   <p:notesSz cx="6858000" cy="9144000"/>
@@ -3934,6 +3938,632 @@
 </p:sld>
 </file>
 
+<file path=ppt/slides/slide6.xml><?xml version="1.0" encoding="utf-8"?>
+<p:sld xmlns:a="http://schemas.openxmlformats.org/drawingml/2006/main" xmlns:r="http://schemas.openxmlformats.org/officeDocument/2006/relationships" xmlns:p="http://schemas.openxmlformats.org/presentationml/2006/main">
+  <p:cSld>
+    <p:spTree>
+      <p:nvGrpSpPr>
+        <p:cNvPr id="1" name=""/>
+        <p:cNvGrpSpPr/>
+        <p:nvPr/>
+      </p:nvGrpSpPr>
+      <p:grpSpPr>
+        <a:xfrm>
+          <a:off x="0" y="0"/>
+          <a:ext cx="0" cy="0"/>
+          <a:chOff x="0" y="0"/>
+          <a:chExt cx="0" cy="0"/>
+        </a:xfrm>
+      </p:grpSpPr>
+      <p:sp>
+        <p:nvSpPr>
+          <p:cNvPr id="2" name="Title 1">
+            <a:extLst>
+              <a:ext uri="{FF2B5EF4-FFF2-40B4-BE49-F238E27FC236}">
+                <a16:creationId xmlns:a16="http://schemas.microsoft.com/office/drawing/2014/main" id="{4A2992E9-CD29-4EF3-A3EF-4F1B7B00D8FD}"/>
+              </a:ext>
+            </a:extLst>
+          </p:cNvPr>
+          <p:cNvSpPr>
+            <a:spLocks noGrp="1"/>
+          </p:cNvSpPr>
+          <p:nvPr>
+            <p:ph type="title"/>
+          </p:nvPr>
+        </p:nvSpPr>
+        <p:spPr/>
+        <p:txBody>
+          <a:bodyPr/>
+          <a:lstStyle/>
+          <a:p>
+            <a:r>
+              <a:rPr lang="en-US" dirty="0">
+                <a:latin typeface="Quicksand" panose="00000500000000000000" pitchFamily="2" charset="0"/>
+              </a:rPr>
+              <a:t>Sugar Synonyms</a:t>
+            </a:r>
+          </a:p>
+        </p:txBody>
+      </p:sp>
+      <p:sp>
+        <p:nvSpPr>
+          <p:cNvPr id="3" name="Content Placeholder 2">
+            <a:extLst>
+              <a:ext uri="{FF2B5EF4-FFF2-40B4-BE49-F238E27FC236}">
+                <a16:creationId xmlns:a16="http://schemas.microsoft.com/office/drawing/2014/main" id="{B11093DF-4C68-4C9C-8CD6-C34FCB32FA57}"/>
+              </a:ext>
+            </a:extLst>
+          </p:cNvPr>
+          <p:cNvSpPr>
+            <a:spLocks noGrp="1"/>
+          </p:cNvSpPr>
+          <p:nvPr>
+            <p:ph idx="1"/>
+          </p:nvPr>
+        </p:nvSpPr>
+        <p:spPr>
+          <a:xfrm>
+            <a:off x="838200" y="2556767"/>
+            <a:ext cx="10515600" cy="2663303"/>
+          </a:xfrm>
+        </p:spPr>
+        <p:txBody>
+          <a:bodyPr/>
+          <a:lstStyle/>
+          <a:p>
+            <a:pPr marL="0" indent="0">
+              <a:buNone/>
+            </a:pPr>
+            <a:r>
+              <a:rPr lang="en-US" dirty="0">
+                <a:latin typeface="Quicksand" panose="00000500000000000000" pitchFamily="2" charset="0"/>
+              </a:rPr>
+              <a:t>Many brands tend to hide their sugar contents in their labels by using synonyms to mislead consumers into consuming their high sugar commodities.</a:t>
+            </a:r>
+          </a:p>
+          <a:p>
+            <a:pPr marL="0" indent="0">
+              <a:buNone/>
+            </a:pPr>
+            <a:endParaRPr lang="en-US" dirty="0">
+              <a:latin typeface="Quicksand" panose="00000500000000000000" pitchFamily="2" charset="0"/>
+            </a:endParaRPr>
+          </a:p>
+          <a:p>
+            <a:pPr marL="0" indent="0">
+              <a:buNone/>
+            </a:pPr>
+            <a:r>
+              <a:rPr lang="en-US" dirty="0">
+                <a:latin typeface="Quicksand" panose="00000500000000000000" pitchFamily="2" charset="0"/>
+              </a:rPr>
+              <a:t>Now find the amounts of various hidden sugars with </a:t>
+            </a:r>
+            <a:r>
+              <a:rPr lang="en-US" dirty="0" err="1">
+                <a:latin typeface="Quicksand" panose="00000500000000000000" pitchFamily="2" charset="0"/>
+              </a:rPr>
+              <a:t>Quancious</a:t>
+            </a:r>
+            <a:r>
+              <a:rPr lang="en-US" dirty="0">
+                <a:latin typeface="Quicksand" panose="00000500000000000000" pitchFamily="2" charset="0"/>
+              </a:rPr>
+              <a:t>.</a:t>
+            </a:r>
+          </a:p>
+        </p:txBody>
+      </p:sp>
+    </p:spTree>
+    <p:extLst>
+      <p:ext uri="{BB962C8B-B14F-4D97-AF65-F5344CB8AC3E}">
+        <p14:creationId xmlns:p14="http://schemas.microsoft.com/office/powerpoint/2010/main" val="1231897789"/>
+      </p:ext>
+    </p:extLst>
+  </p:cSld>
+  <p:clrMapOvr>
+    <a:masterClrMapping/>
+  </p:clrMapOvr>
+</p:sld>
+</file>
+
+<file path=ppt/slides/slide7.xml><?xml version="1.0" encoding="utf-8"?>
+<p:sld xmlns:a="http://schemas.openxmlformats.org/drawingml/2006/main" xmlns:r="http://schemas.openxmlformats.org/officeDocument/2006/relationships" xmlns:p="http://schemas.openxmlformats.org/presentationml/2006/main">
+  <p:cSld>
+    <p:spTree>
+      <p:nvGrpSpPr>
+        <p:cNvPr id="1" name=""/>
+        <p:cNvGrpSpPr/>
+        <p:nvPr/>
+      </p:nvGrpSpPr>
+      <p:grpSpPr>
+        <a:xfrm>
+          <a:off x="0" y="0"/>
+          <a:ext cx="0" cy="0"/>
+          <a:chOff x="0" y="0"/>
+          <a:chExt cx="0" cy="0"/>
+        </a:xfrm>
+      </p:grpSpPr>
+      <p:sp>
+        <p:nvSpPr>
+          <p:cNvPr id="2" name="Title 1">
+            <a:extLst>
+              <a:ext uri="{FF2B5EF4-FFF2-40B4-BE49-F238E27FC236}">
+                <a16:creationId xmlns:a16="http://schemas.microsoft.com/office/drawing/2014/main" id="{280602D1-74E5-4F9E-82E9-488C169D5DAB}"/>
+              </a:ext>
+            </a:extLst>
+          </p:cNvPr>
+          <p:cNvSpPr>
+            <a:spLocks noGrp="1"/>
+          </p:cNvSpPr>
+          <p:nvPr>
+            <p:ph type="title"/>
+          </p:nvPr>
+        </p:nvSpPr>
+        <p:spPr/>
+        <p:txBody>
+          <a:bodyPr/>
+          <a:lstStyle/>
+          <a:p>
+            <a:r>
+              <a:rPr lang="en-US" dirty="0">
+                <a:latin typeface="Quicksand" panose="00000500000000000000" pitchFamily="2" charset="0"/>
+              </a:rPr>
+              <a:t>Allergens</a:t>
+            </a:r>
+          </a:p>
+        </p:txBody>
+      </p:sp>
+      <p:sp>
+        <p:nvSpPr>
+          <p:cNvPr id="3" name="Content Placeholder 2">
+            <a:extLst>
+              <a:ext uri="{FF2B5EF4-FFF2-40B4-BE49-F238E27FC236}">
+                <a16:creationId xmlns:a16="http://schemas.microsoft.com/office/drawing/2014/main" id="{8F3F4778-90D8-423C-B992-2B624291C5CA}"/>
+              </a:ext>
+            </a:extLst>
+          </p:cNvPr>
+          <p:cNvSpPr>
+            <a:spLocks noGrp="1"/>
+          </p:cNvSpPr>
+          <p:nvPr>
+            <p:ph idx="1"/>
+          </p:nvPr>
+        </p:nvSpPr>
+        <p:spPr>
+          <a:xfrm>
+            <a:off x="838200" y="2556768"/>
+            <a:ext cx="10515600" cy="2858612"/>
+          </a:xfrm>
+        </p:spPr>
+        <p:txBody>
+          <a:bodyPr/>
+          <a:lstStyle/>
+          <a:p>
+            <a:pPr marL="0" indent="0">
+              <a:buNone/>
+            </a:pPr>
+            <a:r>
+              <a:rPr lang="en-US" dirty="0">
+                <a:latin typeface="Quicksand" panose="00000500000000000000" pitchFamily="2" charset="0"/>
+              </a:rPr>
+              <a:t>Common allergens like palm oil, peanuts, eggs, coconut, etc. could lead to serious implications if ignored.</a:t>
+            </a:r>
+          </a:p>
+          <a:p>
+            <a:pPr marL="0" indent="0">
+              <a:buNone/>
+            </a:pPr>
+            <a:endParaRPr lang="en-US" dirty="0">
+              <a:latin typeface="Quicksand" panose="00000500000000000000" pitchFamily="2" charset="0"/>
+            </a:endParaRPr>
+          </a:p>
+          <a:p>
+            <a:pPr marL="0" indent="0">
+              <a:buNone/>
+            </a:pPr>
+            <a:r>
+              <a:rPr lang="en-US" dirty="0" err="1">
+                <a:latin typeface="Quicksand" panose="00000500000000000000" pitchFamily="2" charset="0"/>
+              </a:rPr>
+              <a:t>Quancious</a:t>
+            </a:r>
+            <a:r>
+              <a:rPr lang="en-US" dirty="0">
+                <a:latin typeface="Quicksand" panose="00000500000000000000" pitchFamily="2" charset="0"/>
+              </a:rPr>
+              <a:t> warns you of such allergens present in your groceries with just a click.</a:t>
+            </a:r>
+          </a:p>
+        </p:txBody>
+      </p:sp>
+    </p:spTree>
+    <p:extLst>
+      <p:ext uri="{BB962C8B-B14F-4D97-AF65-F5344CB8AC3E}">
+        <p14:creationId xmlns:p14="http://schemas.microsoft.com/office/powerpoint/2010/main" val="351033359"/>
+      </p:ext>
+    </p:extLst>
+  </p:cSld>
+  <p:clrMapOvr>
+    <a:masterClrMapping/>
+  </p:clrMapOvr>
+</p:sld>
+</file>
+
+<file path=ppt/slides/slide8.xml><?xml version="1.0" encoding="utf-8"?>
+<p:sld xmlns:a="http://schemas.openxmlformats.org/drawingml/2006/main" xmlns:r="http://schemas.openxmlformats.org/officeDocument/2006/relationships" xmlns:p="http://schemas.openxmlformats.org/presentationml/2006/main">
+  <p:cSld>
+    <p:spTree>
+      <p:nvGrpSpPr>
+        <p:cNvPr id="1" name=""/>
+        <p:cNvGrpSpPr/>
+        <p:nvPr/>
+      </p:nvGrpSpPr>
+      <p:grpSpPr>
+        <a:xfrm>
+          <a:off x="0" y="0"/>
+          <a:ext cx="0" cy="0"/>
+          <a:chOff x="0" y="0"/>
+          <a:chExt cx="0" cy="0"/>
+        </a:xfrm>
+      </p:grpSpPr>
+      <p:sp>
+        <p:nvSpPr>
+          <p:cNvPr id="2" name="Title 1">
+            <a:extLst>
+              <a:ext uri="{FF2B5EF4-FFF2-40B4-BE49-F238E27FC236}">
+                <a16:creationId xmlns:a16="http://schemas.microsoft.com/office/drawing/2014/main" id="{979BDAB0-B99E-4B12-B3BC-3EAE51C95A88}"/>
+              </a:ext>
+            </a:extLst>
+          </p:cNvPr>
+          <p:cNvSpPr>
+            <a:spLocks noGrp="1"/>
+          </p:cNvSpPr>
+          <p:nvPr>
+            <p:ph type="title"/>
+          </p:nvPr>
+        </p:nvSpPr>
+        <p:spPr/>
+        <p:txBody>
+          <a:bodyPr/>
+          <a:lstStyle/>
+          <a:p>
+            <a:r>
+              <a:rPr lang="en-US" dirty="0">
+                <a:latin typeface="Quicksand" panose="00000500000000000000" pitchFamily="2" charset="0"/>
+              </a:rPr>
+              <a:t>Glycemic Index</a:t>
+            </a:r>
+          </a:p>
+        </p:txBody>
+      </p:sp>
+      <p:sp>
+        <p:nvSpPr>
+          <p:cNvPr id="4" name="Content Placeholder 2">
+            <a:extLst>
+              <a:ext uri="{FF2B5EF4-FFF2-40B4-BE49-F238E27FC236}">
+                <a16:creationId xmlns:a16="http://schemas.microsoft.com/office/drawing/2014/main" id="{92A40B10-034E-4605-8A47-822F47F7D649}"/>
+              </a:ext>
+            </a:extLst>
+          </p:cNvPr>
+          <p:cNvSpPr txBox="1">
+            <a:spLocks/>
+          </p:cNvSpPr>
+          <p:nvPr/>
+        </p:nvSpPr>
+        <p:spPr>
+          <a:xfrm>
+            <a:off x="838200" y="2556768"/>
+            <a:ext cx="10515600" cy="2858612"/>
+          </a:xfrm>
+          <a:prstGeom prst="rect">
+            <a:avLst/>
+          </a:prstGeom>
+        </p:spPr>
+        <p:txBody>
+          <a:bodyPr vert="horz" lIns="91440" tIns="45720" rIns="91440" bIns="45720" rtlCol="0">
+            <a:normAutofit/>
+          </a:bodyPr>
+          <a:lstStyle>
+            <a:lvl1pPr marL="228600" indent="-228600" algn="l" defTabSz="914400" rtl="0" eaLnBrk="1" latinLnBrk="0" hangingPunct="1">
+              <a:lnSpc>
+                <a:spcPct val="90000"/>
+              </a:lnSpc>
+              <a:spcBef>
+                <a:spcPts val="1000"/>
+              </a:spcBef>
+              <a:buFont typeface="Arial" panose="020B0604020202020204" pitchFamily="34" charset="0"/>
+              <a:buChar char="•"/>
+              <a:defRPr sz="2800" kern="1200">
+                <a:solidFill>
+                  <a:schemeClr val="tx1"/>
+                </a:solidFill>
+                <a:latin typeface="+mn-lt"/>
+                <a:ea typeface="+mn-ea"/>
+                <a:cs typeface="+mn-cs"/>
+              </a:defRPr>
+            </a:lvl1pPr>
+            <a:lvl2pPr marL="685800" indent="-228600" algn="l" defTabSz="914400" rtl="0" eaLnBrk="1" latinLnBrk="0" hangingPunct="1">
+              <a:lnSpc>
+                <a:spcPct val="90000"/>
+              </a:lnSpc>
+              <a:spcBef>
+                <a:spcPts val="500"/>
+              </a:spcBef>
+              <a:buFont typeface="Arial" panose="020B0604020202020204" pitchFamily="34" charset="0"/>
+              <a:buChar char="•"/>
+              <a:defRPr sz="2400" kern="1200">
+                <a:solidFill>
+                  <a:schemeClr val="tx1"/>
+                </a:solidFill>
+                <a:latin typeface="+mn-lt"/>
+                <a:ea typeface="+mn-ea"/>
+                <a:cs typeface="+mn-cs"/>
+              </a:defRPr>
+            </a:lvl2pPr>
+            <a:lvl3pPr marL="1143000" indent="-228600" algn="l" defTabSz="914400" rtl="0" eaLnBrk="1" latinLnBrk="0" hangingPunct="1">
+              <a:lnSpc>
+                <a:spcPct val="90000"/>
+              </a:lnSpc>
+              <a:spcBef>
+                <a:spcPts val="500"/>
+              </a:spcBef>
+              <a:buFont typeface="Arial" panose="020B0604020202020204" pitchFamily="34" charset="0"/>
+              <a:buChar char="•"/>
+              <a:defRPr sz="2000" kern="1200">
+                <a:solidFill>
+                  <a:schemeClr val="tx1"/>
+                </a:solidFill>
+                <a:latin typeface="+mn-lt"/>
+                <a:ea typeface="+mn-ea"/>
+                <a:cs typeface="+mn-cs"/>
+              </a:defRPr>
+            </a:lvl3pPr>
+            <a:lvl4pPr marL="1600200" indent="-228600" algn="l" defTabSz="914400" rtl="0" eaLnBrk="1" latinLnBrk="0" hangingPunct="1">
+              <a:lnSpc>
+                <a:spcPct val="90000"/>
+              </a:lnSpc>
+              <a:spcBef>
+                <a:spcPts val="500"/>
+              </a:spcBef>
+              <a:buFont typeface="Arial" panose="020B0604020202020204" pitchFamily="34" charset="0"/>
+              <a:buChar char="•"/>
+              <a:defRPr sz="1800" kern="1200">
+                <a:solidFill>
+                  <a:schemeClr val="tx1"/>
+                </a:solidFill>
+                <a:latin typeface="+mn-lt"/>
+                <a:ea typeface="+mn-ea"/>
+                <a:cs typeface="+mn-cs"/>
+              </a:defRPr>
+            </a:lvl4pPr>
+            <a:lvl5pPr marL="2057400" indent="-228600" algn="l" defTabSz="914400" rtl="0" eaLnBrk="1" latinLnBrk="0" hangingPunct="1">
+              <a:lnSpc>
+                <a:spcPct val="90000"/>
+              </a:lnSpc>
+              <a:spcBef>
+                <a:spcPts val="500"/>
+              </a:spcBef>
+              <a:buFont typeface="Arial" panose="020B0604020202020204" pitchFamily="34" charset="0"/>
+              <a:buChar char="•"/>
+              <a:defRPr sz="1800" kern="1200">
+                <a:solidFill>
+                  <a:schemeClr val="tx1"/>
+                </a:solidFill>
+                <a:latin typeface="+mn-lt"/>
+                <a:ea typeface="+mn-ea"/>
+                <a:cs typeface="+mn-cs"/>
+              </a:defRPr>
+            </a:lvl5pPr>
+            <a:lvl6pPr marL="2514600" indent="-228600" algn="l" defTabSz="914400" rtl="0" eaLnBrk="1" latinLnBrk="0" hangingPunct="1">
+              <a:lnSpc>
+                <a:spcPct val="90000"/>
+              </a:lnSpc>
+              <a:spcBef>
+                <a:spcPts val="500"/>
+              </a:spcBef>
+              <a:buFont typeface="Arial" panose="020B0604020202020204" pitchFamily="34" charset="0"/>
+              <a:buChar char="•"/>
+              <a:defRPr sz="1800" kern="1200">
+                <a:solidFill>
+                  <a:schemeClr val="tx1"/>
+                </a:solidFill>
+                <a:latin typeface="+mn-lt"/>
+                <a:ea typeface="+mn-ea"/>
+                <a:cs typeface="+mn-cs"/>
+              </a:defRPr>
+            </a:lvl6pPr>
+            <a:lvl7pPr marL="2971800" indent="-228600" algn="l" defTabSz="914400" rtl="0" eaLnBrk="1" latinLnBrk="0" hangingPunct="1">
+              <a:lnSpc>
+                <a:spcPct val="90000"/>
+              </a:lnSpc>
+              <a:spcBef>
+                <a:spcPts val="500"/>
+              </a:spcBef>
+              <a:buFont typeface="Arial" panose="020B0604020202020204" pitchFamily="34" charset="0"/>
+              <a:buChar char="•"/>
+              <a:defRPr sz="1800" kern="1200">
+                <a:solidFill>
+                  <a:schemeClr val="tx1"/>
+                </a:solidFill>
+                <a:latin typeface="+mn-lt"/>
+                <a:ea typeface="+mn-ea"/>
+                <a:cs typeface="+mn-cs"/>
+              </a:defRPr>
+            </a:lvl7pPr>
+            <a:lvl8pPr marL="3429000" indent="-228600" algn="l" defTabSz="914400" rtl="0" eaLnBrk="1" latinLnBrk="0" hangingPunct="1">
+              <a:lnSpc>
+                <a:spcPct val="90000"/>
+              </a:lnSpc>
+              <a:spcBef>
+                <a:spcPts val="500"/>
+              </a:spcBef>
+              <a:buFont typeface="Arial" panose="020B0604020202020204" pitchFamily="34" charset="0"/>
+              <a:buChar char="•"/>
+              <a:defRPr sz="1800" kern="1200">
+                <a:solidFill>
+                  <a:schemeClr val="tx1"/>
+                </a:solidFill>
+                <a:latin typeface="+mn-lt"/>
+                <a:ea typeface="+mn-ea"/>
+                <a:cs typeface="+mn-cs"/>
+              </a:defRPr>
+            </a:lvl8pPr>
+            <a:lvl9pPr marL="3886200" indent="-228600" algn="l" defTabSz="914400" rtl="0" eaLnBrk="1" latinLnBrk="0" hangingPunct="1">
+              <a:lnSpc>
+                <a:spcPct val="90000"/>
+              </a:lnSpc>
+              <a:spcBef>
+                <a:spcPts val="500"/>
+              </a:spcBef>
+              <a:buFont typeface="Arial" panose="020B0604020202020204" pitchFamily="34" charset="0"/>
+              <a:buChar char="•"/>
+              <a:defRPr sz="1800" kern="1200">
+                <a:solidFill>
+                  <a:schemeClr val="tx1"/>
+                </a:solidFill>
+                <a:latin typeface="+mn-lt"/>
+                <a:ea typeface="+mn-ea"/>
+                <a:cs typeface="+mn-cs"/>
+              </a:defRPr>
+            </a:lvl9pPr>
+          </a:lstStyle>
+          <a:p>
+            <a:pPr marL="0" indent="0">
+              <a:buFont typeface="Arial" panose="020B0604020202020204" pitchFamily="34" charset="0"/>
+              <a:buNone/>
+            </a:pPr>
+            <a:r>
+              <a:rPr lang="en-US" dirty="0">
+                <a:latin typeface="Quicksand" panose="00000500000000000000" pitchFamily="2" charset="0"/>
+              </a:rPr>
+              <a:t>Glycemic index </a:t>
+            </a:r>
+            <a:r>
+              <a:rPr lang="en-IN" dirty="0">
+                <a:latin typeface="Quicksand" panose="00000500000000000000" pitchFamily="2" charset="0"/>
+              </a:rPr>
+              <a:t>is a value used to measure how much specific foods increase blood sugar levels.</a:t>
+            </a:r>
+          </a:p>
+          <a:p>
+            <a:pPr marL="0" indent="0">
+              <a:buFont typeface="Arial" panose="020B0604020202020204" pitchFamily="34" charset="0"/>
+              <a:buNone/>
+            </a:pPr>
+            <a:endParaRPr lang="en-IN" dirty="0">
+              <a:latin typeface="Quicksand" panose="00000500000000000000" pitchFamily="2" charset="0"/>
+            </a:endParaRPr>
+          </a:p>
+          <a:p>
+            <a:pPr marL="0" indent="0">
+              <a:buFont typeface="Arial" panose="020B0604020202020204" pitchFamily="34" charset="0"/>
+              <a:buNone/>
+            </a:pPr>
+            <a:r>
+              <a:rPr lang="en-IN" dirty="0">
+                <a:latin typeface="Quicksand" panose="00000500000000000000" pitchFamily="2" charset="0"/>
+              </a:rPr>
+              <a:t>With </a:t>
+            </a:r>
+            <a:r>
+              <a:rPr lang="en-IN" dirty="0" err="1">
+                <a:latin typeface="Quicksand" panose="00000500000000000000" pitchFamily="2" charset="0"/>
+              </a:rPr>
+              <a:t>Quancious</a:t>
+            </a:r>
+            <a:r>
+              <a:rPr lang="en-IN" dirty="0">
+                <a:latin typeface="Quicksand" panose="00000500000000000000" pitchFamily="2" charset="0"/>
+              </a:rPr>
+              <a:t> users will be notified of the GI category their food falls into.</a:t>
+            </a:r>
+            <a:endParaRPr lang="en-US" dirty="0">
+              <a:latin typeface="Quicksand" panose="00000500000000000000" pitchFamily="2" charset="0"/>
+            </a:endParaRPr>
+          </a:p>
+        </p:txBody>
+      </p:sp>
+    </p:spTree>
+    <p:extLst>
+      <p:ext uri="{BB962C8B-B14F-4D97-AF65-F5344CB8AC3E}">
+        <p14:creationId xmlns:p14="http://schemas.microsoft.com/office/powerpoint/2010/main" val="1431814823"/>
+      </p:ext>
+    </p:extLst>
+  </p:cSld>
+  <p:clrMapOvr>
+    <a:masterClrMapping/>
+  </p:clrMapOvr>
+</p:sld>
+</file>
+
+<file path=ppt/slides/slide9.xml><?xml version="1.0" encoding="utf-8"?>
+<p:sld xmlns:a="http://schemas.openxmlformats.org/drawingml/2006/main" xmlns:r="http://schemas.openxmlformats.org/officeDocument/2006/relationships" xmlns:p="http://schemas.openxmlformats.org/presentationml/2006/main">
+  <p:cSld>
+    <p:spTree>
+      <p:nvGrpSpPr>
+        <p:cNvPr id="1" name=""/>
+        <p:cNvGrpSpPr/>
+        <p:nvPr/>
+      </p:nvGrpSpPr>
+      <p:grpSpPr>
+        <a:xfrm>
+          <a:off x="0" y="0"/>
+          <a:ext cx="0" cy="0"/>
+          <a:chOff x="0" y="0"/>
+          <a:chExt cx="0" cy="0"/>
+        </a:xfrm>
+      </p:grpSpPr>
+      <p:sp>
+        <p:nvSpPr>
+          <p:cNvPr id="2" name="Title 1">
+            <a:extLst>
+              <a:ext uri="{FF2B5EF4-FFF2-40B4-BE49-F238E27FC236}">
+                <a16:creationId xmlns:a16="http://schemas.microsoft.com/office/drawing/2014/main" id="{066B2373-51C7-43DB-A213-D47713F82DA8}"/>
+              </a:ext>
+            </a:extLst>
+          </p:cNvPr>
+          <p:cNvSpPr>
+            <a:spLocks noGrp="1"/>
+          </p:cNvSpPr>
+          <p:nvPr>
+            <p:ph type="title"/>
+          </p:nvPr>
+        </p:nvSpPr>
+        <p:spPr>
+          <a:xfrm>
+            <a:off x="838200" y="2766218"/>
+            <a:ext cx="10515600" cy="1325563"/>
+          </a:xfrm>
+        </p:spPr>
+        <p:txBody>
+          <a:bodyPr>
+            <a:normAutofit/>
+          </a:bodyPr>
+          <a:lstStyle/>
+          <a:p>
+            <a:r>
+              <a:rPr lang="en-US" sz="4800" dirty="0">
+                <a:latin typeface="Quicksand" panose="00000500000000000000" pitchFamily="2" charset="0"/>
+              </a:rPr>
+              <a:t>Thank You</a:t>
+            </a:r>
+          </a:p>
+        </p:txBody>
+      </p:sp>
+    </p:spTree>
+    <p:extLst>
+      <p:ext uri="{BB962C8B-B14F-4D97-AF65-F5344CB8AC3E}">
+        <p14:creationId xmlns:p14="http://schemas.microsoft.com/office/powerpoint/2010/main" val="1005260316"/>
+      </p:ext>
+    </p:extLst>
+  </p:cSld>
+  <p:clrMapOvr>
+    <a:masterClrMapping/>
+  </p:clrMapOvr>
+</p:sld>
+</file>
+
 <file path=ppt/theme/theme1.xml><?xml version="1.0" encoding="utf-8"?>
 <a:theme xmlns:a="http://schemas.openxmlformats.org/drawingml/2006/main" name="Office Theme">
   <a:themeElements>

--- a/Quancious.pptx
+++ b/Quancious.pptx
@@ -267,7 +267,7 @@
           <a:p>
             <a:fld id="{8A6A126D-9593-4526-A3D8-58BF1DACD3B4}" type="datetimeFigureOut">
               <a:rPr lang="en-US" smtClean="0"/>
-              <a:t>2/19/2021</a:t>
+              <a:t>2/20/2021</a:t>
             </a:fld>
             <a:endParaRPr lang="en-US"/>
           </a:p>
@@ -465,7 +465,7 @@
           <a:p>
             <a:fld id="{8A6A126D-9593-4526-A3D8-58BF1DACD3B4}" type="datetimeFigureOut">
               <a:rPr lang="en-US" smtClean="0"/>
-              <a:t>2/19/2021</a:t>
+              <a:t>2/20/2021</a:t>
             </a:fld>
             <a:endParaRPr lang="en-US"/>
           </a:p>
@@ -673,7 +673,7 @@
           <a:p>
             <a:fld id="{8A6A126D-9593-4526-A3D8-58BF1DACD3B4}" type="datetimeFigureOut">
               <a:rPr lang="en-US" smtClean="0"/>
-              <a:t>2/19/2021</a:t>
+              <a:t>2/20/2021</a:t>
             </a:fld>
             <a:endParaRPr lang="en-US"/>
           </a:p>
@@ -871,7 +871,7 @@
           <a:p>
             <a:fld id="{8A6A126D-9593-4526-A3D8-58BF1DACD3B4}" type="datetimeFigureOut">
               <a:rPr lang="en-US" smtClean="0"/>
-              <a:t>2/19/2021</a:t>
+              <a:t>2/20/2021</a:t>
             </a:fld>
             <a:endParaRPr lang="en-US"/>
           </a:p>
@@ -1146,7 +1146,7 @@
           <a:p>
             <a:fld id="{8A6A126D-9593-4526-A3D8-58BF1DACD3B4}" type="datetimeFigureOut">
               <a:rPr lang="en-US" smtClean="0"/>
-              <a:t>2/19/2021</a:t>
+              <a:t>2/20/2021</a:t>
             </a:fld>
             <a:endParaRPr lang="en-US"/>
           </a:p>
@@ -1411,7 +1411,7 @@
           <a:p>
             <a:fld id="{8A6A126D-9593-4526-A3D8-58BF1DACD3B4}" type="datetimeFigureOut">
               <a:rPr lang="en-US" smtClean="0"/>
-              <a:t>2/19/2021</a:t>
+              <a:t>2/20/2021</a:t>
             </a:fld>
             <a:endParaRPr lang="en-US"/>
           </a:p>
@@ -1823,7 +1823,7 @@
           <a:p>
             <a:fld id="{8A6A126D-9593-4526-A3D8-58BF1DACD3B4}" type="datetimeFigureOut">
               <a:rPr lang="en-US" smtClean="0"/>
-              <a:t>2/19/2021</a:t>
+              <a:t>2/20/2021</a:t>
             </a:fld>
             <a:endParaRPr lang="en-US"/>
           </a:p>
@@ -1964,7 +1964,7 @@
           <a:p>
             <a:fld id="{8A6A126D-9593-4526-A3D8-58BF1DACD3B4}" type="datetimeFigureOut">
               <a:rPr lang="en-US" smtClean="0"/>
-              <a:t>2/19/2021</a:t>
+              <a:t>2/20/2021</a:t>
             </a:fld>
             <a:endParaRPr lang="en-US"/>
           </a:p>
@@ -2077,7 +2077,7 @@
           <a:p>
             <a:fld id="{8A6A126D-9593-4526-A3D8-58BF1DACD3B4}" type="datetimeFigureOut">
               <a:rPr lang="en-US" smtClean="0"/>
-              <a:t>2/19/2021</a:t>
+              <a:t>2/20/2021</a:t>
             </a:fld>
             <a:endParaRPr lang="en-US"/>
           </a:p>
@@ -2388,7 +2388,7 @@
           <a:p>
             <a:fld id="{8A6A126D-9593-4526-A3D8-58BF1DACD3B4}" type="datetimeFigureOut">
               <a:rPr lang="en-US" smtClean="0"/>
-              <a:t>2/19/2021</a:t>
+              <a:t>2/20/2021</a:t>
             </a:fld>
             <a:endParaRPr lang="en-US"/>
           </a:p>
@@ -2676,7 +2676,7 @@
           <a:p>
             <a:fld id="{8A6A126D-9593-4526-A3D8-58BF1DACD3B4}" type="datetimeFigureOut">
               <a:rPr lang="en-US" smtClean="0"/>
-              <a:t>2/19/2021</a:t>
+              <a:t>2/20/2021</a:t>
             </a:fld>
             <a:endParaRPr lang="en-US"/>
           </a:p>
@@ -2917,7 +2917,7 @@
           <a:p>
             <a:fld id="{8A6A126D-9593-4526-A3D8-58BF1DACD3B4}" type="datetimeFigureOut">
               <a:rPr lang="en-US" smtClean="0"/>
-              <a:t>2/19/2021</a:t>
+              <a:t>2/20/2021</a:t>
             </a:fld>
             <a:endParaRPr lang="en-US"/>
           </a:p>
@@ -3662,11 +3662,13 @@
         <p:spPr>
           <a:xfrm>
             <a:off x="1524000" y="4105274"/>
-            <a:ext cx="9144000" cy="1152525"/>
+            <a:ext cx="9144000" cy="2881452"/>
           </a:xfrm>
         </p:spPr>
         <p:txBody>
-          <a:bodyPr/>
+          <a:bodyPr>
+            <a:normAutofit/>
+          </a:bodyPr>
           <a:lstStyle/>
           <a:p>
             <a:r>
@@ -3684,6 +3686,43 @@
             <a:endParaRPr lang="en-US" dirty="0">
               <a:latin typeface="Quicksand" panose="00000500000000000000" pitchFamily="2" charset="0"/>
             </a:endParaRPr>
+          </a:p>
+          <a:p>
+            <a:endParaRPr lang="en-US" dirty="0">
+              <a:latin typeface="Quicksand" panose="00000500000000000000" pitchFamily="2" charset="0"/>
+            </a:endParaRPr>
+          </a:p>
+          <a:p>
+            <a:r>
+              <a:rPr lang="en-US" dirty="0">
+                <a:latin typeface="Quicksand" panose="00000500000000000000" pitchFamily="2" charset="0"/>
+              </a:rPr>
+              <a:t>Neha Kothari</a:t>
+            </a:r>
+          </a:p>
+          <a:p>
+            <a:r>
+              <a:rPr lang="en-US" dirty="0">
+                <a:latin typeface="Quicksand" panose="00000500000000000000" pitchFamily="2" charset="0"/>
+              </a:rPr>
+              <a:t>Shreyas Gupta</a:t>
+            </a:r>
+          </a:p>
+          <a:p>
+            <a:r>
+              <a:rPr lang="en-US" dirty="0">
+                <a:latin typeface="Quicksand" panose="00000500000000000000" pitchFamily="2" charset="0"/>
+              </a:rPr>
+              <a:t>Ankita Paul</a:t>
+            </a:r>
+          </a:p>
+          <a:p>
+            <a:r>
+              <a:rPr lang="en-US" dirty="0">
+                <a:latin typeface="Quicksand" panose="00000500000000000000" pitchFamily="2" charset="0"/>
+              </a:rPr>
+              <a:t>Tejas Kotha</a:t>
+            </a:r>
           </a:p>
         </p:txBody>
       </p:sp>
